--- a/OpenRank杯初赛-灵配.pptx
+++ b/OpenRank杯初赛-灵配.pptx
@@ -3288,7 +3288,7 @@
         </p:nvSpPr>
         <p:spPr>
           <a:xfrm>
-            <a:off x="5146062" y="4892249"/>
+            <a:off x="5107962" y="4874982"/>
             <a:ext cx="4078902" cy="276999"/>
           </a:xfrm>
           <a:prstGeom prst="rect">
@@ -13487,6 +13487,42 @@
           </a:p>
         </p:txBody>
       </p:sp>
+      <p:sp>
+        <p:nvSpPr>
+          <p:cNvPr id="7" name="文本框 6">
+            <a:extLst>
+              <a:ext uri="{FF2B5EF4-FFF2-40B4-BE49-F238E27FC236}">
+                <a16:creationId xmlns:a16="http://schemas.microsoft.com/office/drawing/2014/main" id="{AECFA07B-F630-64F0-AE76-488179519ABC}"/>
+              </a:ext>
+            </a:extLst>
+          </p:cNvPr>
+          <p:cNvSpPr txBox="1"/>
+          <p:nvPr/>
+        </p:nvSpPr>
+        <p:spPr>
+          <a:xfrm>
+            <a:off x="6329585" y="4857652"/>
+            <a:ext cx="2968533" cy="276999"/>
+          </a:xfrm>
+          <a:prstGeom prst="rect">
+            <a:avLst/>
+          </a:prstGeom>
+          <a:noFill/>
+        </p:spPr>
+        <p:txBody>
+          <a:bodyPr wrap="square">
+            <a:spAutoFit/>
+          </a:bodyPr>
+          <a:lstStyle/>
+          <a:p>
+            <a:r>
+              <a:rPr lang="en-US" altLang="zh-CN" sz="1200" dirty="0"/>
+              <a:t>https://github.com/X-lab2017/open-digger</a:t>
+            </a:r>
+            <a:endParaRPr lang="zh-CN" altLang="en-US" sz="1200" dirty="0"/>
+          </a:p>
+        </p:txBody>
+      </p:sp>
     </p:spTree>
     <p:extLst>
       <p:ext uri="{BB962C8B-B14F-4D97-AF65-F5344CB8AC3E}">
@@ -15006,6 +15042,42 @@
               <a:ea typeface="Microsoft Yahei" pitchFamily="34" charset="-122"/>
               <a:cs typeface="Microsoft Yahei" pitchFamily="34" charset="-120"/>
             </a:endParaRPr>
+          </a:p>
+        </p:txBody>
+      </p:sp>
+      <p:sp>
+        <p:nvSpPr>
+          <p:cNvPr id="5" name="文本框 4">
+            <a:extLst>
+              <a:ext uri="{FF2B5EF4-FFF2-40B4-BE49-F238E27FC236}">
+                <a16:creationId xmlns:a16="http://schemas.microsoft.com/office/drawing/2014/main" id="{80C7B8C5-498A-DD24-4A93-FCF05043AF23}"/>
+              </a:ext>
+            </a:extLst>
+          </p:cNvPr>
+          <p:cNvSpPr txBox="1"/>
+          <p:nvPr/>
+        </p:nvSpPr>
+        <p:spPr>
+          <a:xfrm>
+            <a:off x="6110287" y="4866501"/>
+            <a:ext cx="3252788" cy="276999"/>
+          </a:xfrm>
+          <a:prstGeom prst="rect">
+            <a:avLst/>
+          </a:prstGeom>
+          <a:noFill/>
+        </p:spPr>
+        <p:txBody>
+          <a:bodyPr wrap="square">
+            <a:spAutoFit/>
+          </a:bodyPr>
+          <a:lstStyle/>
+          <a:p>
+            <a:r>
+              <a:rPr lang="en-US" altLang="zh-CN" sz="1200" dirty="0"/>
+              <a:t>https://github.com/hypertrons/hypertrons-crx</a:t>
+            </a:r>
+            <a:endParaRPr lang="zh-CN" altLang="en-US" sz="1200" dirty="0"/>
           </a:p>
         </p:txBody>
       </p:sp>
@@ -19540,8 +19612,8 @@
         </p:nvSpPr>
         <p:spPr>
           <a:xfrm>
-            <a:off x="3586163" y="4737368"/>
-            <a:ext cx="5557837" cy="307777"/>
+            <a:off x="4386263" y="4906645"/>
+            <a:ext cx="4814887" cy="276999"/>
           </a:xfrm>
           <a:prstGeom prst="rect">
             <a:avLst/>
@@ -19555,18 +19627,18 @@
           <a:lstStyle/>
           <a:p>
             <a:r>
-              <a:rPr lang="en-US" altLang="zh-CN" sz="1400" dirty="0"/>
+              <a:rPr lang="en-US" altLang="zh-CN" sz="1200" dirty="0"/>
               <a:t>GitHub REST API:</a:t>
             </a:r>
             <a:r>
-              <a:rPr lang="zh-CN" altLang="en-US" sz="1400" dirty="0"/>
+              <a:rPr lang="zh-CN" altLang="en-US" sz="1200" dirty="0"/>
               <a:t> </a:t>
             </a:r>
             <a:r>
-              <a:rPr lang="en-US" altLang="zh-CN" sz="1400" dirty="0"/>
+              <a:rPr lang="en-US" altLang="zh-CN" sz="1200" dirty="0"/>
               <a:t>https://docs.github.com/zh/rest?apiVersion=2022-11-28</a:t>
             </a:r>
-            <a:endParaRPr lang="zh-CN" altLang="en-US" sz="1400" dirty="0"/>
+            <a:endParaRPr lang="zh-CN" altLang="en-US" sz="1200" dirty="0"/>
           </a:p>
         </p:txBody>
       </p:sp>

--- a/OpenRank杯初赛-灵配.pptx
+++ b/OpenRank杯初赛-灵配.pptx
@@ -4180,7 +4180,7 @@
                 <a:latin typeface="Microsoft Yahei" pitchFamily="34" charset="0"/>
                 <a:ea typeface="Microsoft Yahei" pitchFamily="34" charset="-122"/>
               </a:rPr>
-              <a:t>当月的社区</a:t>
+              <a:t>社区</a:t>
             </a:r>
             <a:r>
               <a:rPr lang="en-US" altLang="zh-CN" sz="1400" b="1" dirty="0">
@@ -4200,7 +4200,7 @@
                 <a:latin typeface="Microsoft Yahei" pitchFamily="34" charset="0"/>
                 <a:ea typeface="Microsoft Yahei" pitchFamily="34" charset="-122"/>
               </a:rPr>
-              <a:t>贡献度</a:t>
+              <a:t>贡献度（平均值）</a:t>
             </a:r>
             <a:r>
               <a:rPr lang="zh-CN" altLang="en-US" sz="1400" dirty="0">
@@ -4220,7 +4220,7 @@
                 <a:latin typeface="Microsoft Yahei" pitchFamily="34" charset="0"/>
                 <a:ea typeface="Microsoft Yahei" pitchFamily="34" charset="-122"/>
               </a:rPr>
-              <a:t>当月的全域</a:t>
+              <a:t>全域</a:t>
             </a:r>
             <a:r>
               <a:rPr lang="en-US" altLang="zh-CN" sz="1400" b="1" dirty="0">
@@ -4240,7 +4240,7 @@
                 <a:latin typeface="Microsoft Yahei" pitchFamily="34" charset="0"/>
                 <a:ea typeface="Microsoft Yahei" pitchFamily="34" charset="-122"/>
               </a:rPr>
-              <a:t>影响力</a:t>
+              <a:t>影响力（平均值）</a:t>
             </a:r>
             <a:r>
               <a:rPr lang="zh-CN" altLang="en-US" sz="1400" dirty="0">
@@ -14846,8 +14846,8 @@
         </p:nvSpPr>
         <p:spPr>
           <a:xfrm>
-            <a:off x="4479793" y="1764425"/>
-            <a:ext cx="2880650" cy="769441"/>
+            <a:off x="4479792" y="1764425"/>
+            <a:ext cx="4346904" cy="769441"/>
           </a:xfrm>
           <a:prstGeom prst="rect">
             <a:avLst/>
@@ -14881,7 +14881,7 @@
             </a:r>
             <a:r>
               <a:rPr lang="zh-CN" altLang="en-US" sz="1100" b="1" dirty="0"/>
-              <a:t>影响力（平均值）</a:t>
+              <a:t>影响力（平均值）   反应 可信度、协作能力</a:t>
             </a:r>
             <a:endParaRPr lang="en-US" altLang="zh-CN" sz="1100" b="1" dirty="0"/>
           </a:p>
@@ -14900,7 +14900,7 @@
             </a:r>
             <a:r>
               <a:rPr lang="zh-CN" altLang="en-US" sz="1100" b="1" dirty="0"/>
-              <a:t>贡献度（平均值）</a:t>
+              <a:t>贡献度（平均值） 反应 对当前仓库的熟悉程度</a:t>
             </a:r>
             <a:endParaRPr lang="en-US" altLang="zh-CN" sz="1100" b="1" dirty="0"/>
           </a:p>
@@ -14911,7 +14911,7 @@
             </a:r>
             <a:r>
               <a:rPr lang="zh-CN" altLang="en-US" sz="1100" b="1" dirty="0"/>
-              <a:t>、活跃度（指数加权）</a:t>
+              <a:t>、活跃度（指数加权）                          反应 积极性</a:t>
             </a:r>
           </a:p>
         </p:txBody>
